--- a/Lectures/week 3/week 3 - Information Retrieval Indexing.pptx
+++ b/Lectures/week 3/week 3 - Information Retrieval Indexing.pptx
@@ -5410,8 +5410,8 @@
         </p:nvSpPr>
         <p:spPr>
           <a:xfrm>
-            <a:off x="993775" y="769938"/>
-            <a:ext cx="5113338" cy="3835400"/>
+            <a:off x="781050" y="769938"/>
+            <a:ext cx="5538788" cy="3835400"/>
           </a:xfrm>
           <a:ln/>
         </p:spPr>
@@ -19973,7 +19973,7 @@
         <p:spPr>
           <a:xfrm>
             <a:off x="193674" y="1341438"/>
-            <a:ext cx="9439845" cy="5029200"/>
+            <a:ext cx="9712326" cy="5029200"/>
           </a:xfrm>
           <a:noFill/>
         </p:spPr>
@@ -28896,7 +28896,7 @@
           <a:graphicData uri="http://schemas.openxmlformats.org/presentationml/2006/ole">
             <mc:AlternateContent xmlns:mc="http://schemas.openxmlformats.org/markup-compatibility/2006">
               <mc:Choice xmlns:v="urn:schemas-microsoft-com:vml" Requires="v">
-                <p:oleObj spid="_x0000_s95331" name="Equation" r:id="rId4" imgW="2145726" imgH="634954" progId="Equation.DSMT4">
+                <p:oleObj spid="_x0000_s95337" name="Equation" r:id="rId4" imgW="2145726" imgH="634954" progId="Equation.DSMT4">
                   <p:embed/>
                 </p:oleObj>
               </mc:Choice>
@@ -28960,7 +28960,7 @@
           <a:graphicData uri="http://schemas.openxmlformats.org/presentationml/2006/ole">
             <mc:AlternateContent xmlns:mc="http://schemas.openxmlformats.org/markup-compatibility/2006">
               <mc:Choice xmlns:v="urn:schemas-microsoft-com:vml" Requires="v">
-                <p:oleObj spid="_x0000_s95332" name="Worksheet" r:id="rId6" imgW="1244600" imgH="1803400" progId="Excel.Sheet.8">
+                <p:oleObj spid="_x0000_s95338" name="Worksheet" r:id="rId6" imgW="1244600" imgH="1803400" progId="Excel.Sheet.8">
                   <p:embed/>
                 </p:oleObj>
               </mc:Choice>
@@ -29121,7 +29121,7 @@
             <a:pPr eaLnBrk="1" hangingPunct="1"/>
             <a:r>
               <a:rPr lang="en-US" sz="2800" dirty="0"/>
-              <a:t>Pioneered by Google: 20PB of data per day</a:t>
+              <a:t>Pioneered by Google: 20PB of data per day (2008)</a:t>
             </a:r>
           </a:p>
           <a:p>
@@ -48775,8 +48775,8 @@
           </a:p>
         </p:txBody>
       </p:sp>
-      <mc:AlternateContent xmlns:mc="http://schemas.openxmlformats.org/markup-compatibility/2006" xmlns:a14="http://schemas.microsoft.com/office/drawing/2010/main">
-        <mc:Choice Requires="a14">
+      <mc:AlternateContent xmlns:mc="http://schemas.openxmlformats.org/markup-compatibility/2006">
+        <mc:Choice xmlns:a14="http://schemas.microsoft.com/office/drawing/2010/main" Requires="a14">
           <p:sp>
             <p:nvSpPr>
               <p:cNvPr id="3077" name="Rectangle 3"/>
@@ -49269,14 +49269,14 @@
                 </a:pPr>
                 <a:r>
                   <a:rPr lang="en-US" sz="2400" dirty="0"/>
-                  <a:t>Original query should continued to be considered</a:t>
+                  <a:t>Original query should continue to be considered</a:t>
                 </a:r>
                 <a:endParaRPr lang="en-US" sz="2800" dirty="0"/>
               </a:p>
             </p:txBody>
           </p:sp>
         </mc:Choice>
-        <mc:Fallback xmlns="">
+        <mc:Fallback>
           <p:sp>
             <p:nvSpPr>
               <p:cNvPr id="3077" name="Rectangle 3"/>
@@ -49639,7 +49639,7 @@
           <a:graphicData uri="http://schemas.openxmlformats.org/presentationml/2006/ole">
             <mc:AlternateContent xmlns:mc="http://schemas.openxmlformats.org/markup-compatibility/2006">
               <mc:Choice xmlns:v="urn:schemas-microsoft-com:vml" Requires="v">
-                <p:oleObj spid="_x0000_s96273" name="Equation" r:id="rId4" imgW="2540000" imgH="495300" progId="Equation.3">
+                <p:oleObj spid="_x0000_s96276" name="Equation" r:id="rId4" imgW="2540000" imgH="495300" progId="Equation.3">
                   <p:embed/>
                 </p:oleObj>
               </mc:Choice>
@@ -50057,7 +50057,7 @@
           <a:graphicData uri="http://schemas.openxmlformats.org/presentationml/2006/ole">
             <mc:AlternateContent xmlns:mc="http://schemas.openxmlformats.org/markup-compatibility/2006">
               <mc:Choice xmlns:v="urn:schemas-microsoft-com:vml" Requires="v">
-                <p:oleObj spid="_x0000_s97297" name="Equation" r:id="rId4" imgW="3136900" imgH="406400" progId="Equation.3">
+                <p:oleObj spid="_x0000_s97300" name="Equation" r:id="rId4" imgW="3136900" imgH="406400" progId="Equation.3">
                   <p:embed/>
                 </p:oleObj>
               </mc:Choice>
